--- a/Jordan.pptx
+++ b/Jordan.pptx
@@ -113,6 +113,11 @@
       </a:defRPr>
     </a:lvl9pPr>
   </p:defaultTextStyle>
+  <p:extLst>
+    <p:ext uri="{EFAFB233-063F-42B5-8137-9DF3F51BA10A}">
+      <p15:sldGuideLst xmlns:p15="http://schemas.microsoft.com/office/powerpoint/2012/main"/>
+    </p:ext>
+  </p:extLst>
 </p:presentation>
 </file>
 
@@ -4625,7 +4630,7 @@
           <a:p>
             <a:fld id="{607AD81C-2ACB-494D-8CAA-BFF95D2F1C16}" type="datetimeFigureOut">
               <a:rPr lang="ko-KR" altLang="en-US" smtClean="0"/>
-              <a:t>2019-03-29</a:t>
+              <a:t>2019-05-03</a:t>
             </a:fld>
             <a:endParaRPr lang="ko-KR" altLang="en-US"/>
           </a:p>
@@ -4823,7 +4828,7 @@
           <a:p>
             <a:fld id="{607AD81C-2ACB-494D-8CAA-BFF95D2F1C16}" type="datetimeFigureOut">
               <a:rPr lang="ko-KR" altLang="en-US" smtClean="0"/>
-              <a:t>2019-03-29</a:t>
+              <a:t>2019-05-03</a:t>
             </a:fld>
             <a:endParaRPr lang="ko-KR" altLang="en-US"/>
           </a:p>
@@ -5031,7 +5036,7 @@
           <a:p>
             <a:fld id="{607AD81C-2ACB-494D-8CAA-BFF95D2F1C16}" type="datetimeFigureOut">
               <a:rPr lang="ko-KR" altLang="en-US" smtClean="0"/>
-              <a:t>2019-03-29</a:t>
+              <a:t>2019-05-03</a:t>
             </a:fld>
             <a:endParaRPr lang="ko-KR" altLang="en-US"/>
           </a:p>
@@ -5229,7 +5234,7 @@
           <a:p>
             <a:fld id="{607AD81C-2ACB-494D-8CAA-BFF95D2F1C16}" type="datetimeFigureOut">
               <a:rPr lang="ko-KR" altLang="en-US" smtClean="0"/>
-              <a:t>2019-03-29</a:t>
+              <a:t>2019-05-03</a:t>
             </a:fld>
             <a:endParaRPr lang="ko-KR" altLang="en-US"/>
           </a:p>
@@ -5504,7 +5509,7 @@
           <a:p>
             <a:fld id="{607AD81C-2ACB-494D-8CAA-BFF95D2F1C16}" type="datetimeFigureOut">
               <a:rPr lang="ko-KR" altLang="en-US" smtClean="0"/>
-              <a:t>2019-03-29</a:t>
+              <a:t>2019-05-03</a:t>
             </a:fld>
             <a:endParaRPr lang="ko-KR" altLang="en-US"/>
           </a:p>
@@ -5769,7 +5774,7 @@
           <a:p>
             <a:fld id="{607AD81C-2ACB-494D-8CAA-BFF95D2F1C16}" type="datetimeFigureOut">
               <a:rPr lang="ko-KR" altLang="en-US" smtClean="0"/>
-              <a:t>2019-03-29</a:t>
+              <a:t>2019-05-03</a:t>
             </a:fld>
             <a:endParaRPr lang="ko-KR" altLang="en-US"/>
           </a:p>
@@ -6181,7 +6186,7 @@
           <a:p>
             <a:fld id="{607AD81C-2ACB-494D-8CAA-BFF95D2F1C16}" type="datetimeFigureOut">
               <a:rPr lang="ko-KR" altLang="en-US" smtClean="0"/>
-              <a:t>2019-03-29</a:t>
+              <a:t>2019-05-03</a:t>
             </a:fld>
             <a:endParaRPr lang="ko-KR" altLang="en-US"/>
           </a:p>
@@ -6322,7 +6327,7 @@
           <a:p>
             <a:fld id="{607AD81C-2ACB-494D-8CAA-BFF95D2F1C16}" type="datetimeFigureOut">
               <a:rPr lang="ko-KR" altLang="en-US" smtClean="0"/>
-              <a:t>2019-03-29</a:t>
+              <a:t>2019-05-03</a:t>
             </a:fld>
             <a:endParaRPr lang="ko-KR" altLang="en-US"/>
           </a:p>
@@ -6435,7 +6440,7 @@
           <a:p>
             <a:fld id="{607AD81C-2ACB-494D-8CAA-BFF95D2F1C16}" type="datetimeFigureOut">
               <a:rPr lang="ko-KR" altLang="en-US" smtClean="0"/>
-              <a:t>2019-03-29</a:t>
+              <a:t>2019-05-03</a:t>
             </a:fld>
             <a:endParaRPr lang="ko-KR" altLang="en-US"/>
           </a:p>
@@ -6746,7 +6751,7 @@
           <a:p>
             <a:fld id="{607AD81C-2ACB-494D-8CAA-BFF95D2F1C16}" type="datetimeFigureOut">
               <a:rPr lang="ko-KR" altLang="en-US" smtClean="0"/>
-              <a:t>2019-03-29</a:t>
+              <a:t>2019-05-03</a:t>
             </a:fld>
             <a:endParaRPr lang="ko-KR" altLang="en-US"/>
           </a:p>
@@ -7034,7 +7039,7 @@
           <a:p>
             <a:fld id="{607AD81C-2ACB-494D-8CAA-BFF95D2F1C16}" type="datetimeFigureOut">
               <a:rPr lang="ko-KR" altLang="en-US" smtClean="0"/>
-              <a:t>2019-03-29</a:t>
+              <a:t>2019-05-03</a:t>
             </a:fld>
             <a:endParaRPr lang="ko-KR" altLang="en-US"/>
           </a:p>
@@ -7275,7 +7280,7 @@
           <a:p>
             <a:fld id="{607AD81C-2ACB-494D-8CAA-BFF95D2F1C16}" type="datetimeFigureOut">
               <a:rPr lang="ko-KR" altLang="en-US" smtClean="0"/>
-              <a:t>2019-03-29</a:t>
+              <a:t>2019-05-03</a:t>
             </a:fld>
             <a:endParaRPr lang="ko-KR" altLang="en-US"/>
           </a:p>
@@ -9454,7 +9459,21 @@
                 <a:latin typeface="Rix자유로 Black" panose="02000A03000000000000" pitchFamily="2" charset="-127"/>
                 <a:ea typeface="Rix자유로 Black" panose="02000A03000000000000" pitchFamily="2" charset="-127"/>
               </a:rPr>
-              <a:t>시즌</a:t>
+              <a:t>시즌 </a:t>
+            </a:r>
+            <a:r>
+              <a:rPr lang="en-US" altLang="ko-KR" sz="1500">
+                <a:latin typeface="Rix자유로 Black" panose="02000A03000000000000" pitchFamily="2" charset="-127"/>
+                <a:ea typeface="Rix자유로 Black" panose="02000A03000000000000" pitchFamily="2" charset="-127"/>
+              </a:rPr>
+              <a:t>+ </a:t>
+            </a:r>
+            <a:r>
+              <a:rPr lang="ko-KR" altLang="en-US" sz="1500">
+                <a:latin typeface="Rix자유로 Black" panose="02000A03000000000000" pitchFamily="2" charset="-127"/>
+                <a:ea typeface="Rix자유로 Black" panose="02000A03000000000000" pitchFamily="2" charset="-127"/>
+              </a:rPr>
+              <a:t>플레이오프</a:t>
             </a:r>
             <a:br>
               <a:rPr lang="en-US" altLang="ko-KR" sz="1500">
